--- a/FFPM/FFPM 430.pptx
+++ b/FFPM/FFPM 430.pptx
@@ -113,6 +113,22 @@
       </a:defRPr>
     </a:lvl9pPr>
   </p:defaultTextStyle>
+  <p:extLst>
+    <p:ext uri="{EFAFB233-063F-42B5-8137-9DF3F51BA10A}">
+      <p15:sldGuideLst xmlns:p15="http://schemas.microsoft.com/office/powerpoint/2012/main">
+        <p15:guide id="1" orient="horz" pos="1620">
+          <p15:clr>
+            <a:srgbClr val="A4A3A4"/>
+          </p15:clr>
+        </p15:guide>
+        <p15:guide id="2" pos="2880">
+          <p15:clr>
+            <a:srgbClr val="A4A3A4"/>
+          </p15:clr>
+        </p15:guide>
+      </p15:sldGuideLst>
+    </p:ext>
+  </p:extLst>
 </p:presentation>
 </file>
 
@@ -154,10 +170,9 @@
           <a:lstStyle/>
           <a:p>
             <a:r>
-              <a:rPr lang="fr-FR" smtClean="0"/>
+              <a:rPr lang="fr-FR"/>
               <a:t>Cliquez pour modifier le style du titre</a:t>
             </a:r>
-            <a:endParaRPr lang="fr-FR"/>
           </a:p>
         </p:txBody>
       </p:sp>
@@ -273,10 +288,9 @@
           </a:lstStyle>
           <a:p>
             <a:r>
-              <a:rPr lang="fr-FR" smtClean="0"/>
+              <a:rPr lang="fr-FR"/>
               <a:t>Cliquez pour modifier le style des sous-titres du masque</a:t>
             </a:r>
-            <a:endParaRPr lang="fr-FR"/>
           </a:p>
         </p:txBody>
       </p:sp>
@@ -298,7 +312,7 @@
             <a:fld id="{E1E9137A-D7C1-4F8C-A62B-C89ADD9F06F3}" type="datetimeFigureOut">
               <a:rPr lang="fr-FR" smtClean="0"/>
               <a:pPr/>
-              <a:t>27/10/2014</a:t>
+              <a:t>03/12/2023</a:t>
             </a:fld>
             <a:endParaRPr lang="fr-FR"/>
           </a:p>
@@ -388,10 +402,9 @@
           <a:lstStyle/>
           <a:p>
             <a:r>
-              <a:rPr lang="fr-FR" smtClean="0"/>
+              <a:rPr lang="fr-FR"/>
               <a:t>Cliquez pour modifier le style du titre</a:t>
             </a:r>
-            <a:endParaRPr lang="fr-FR"/>
           </a:p>
         </p:txBody>
       </p:sp>
@@ -412,38 +425,37 @@
           <a:p>
             <a:pPr lvl="0"/>
             <a:r>
-              <a:rPr lang="fr-FR" smtClean="0"/>
+              <a:rPr lang="fr-FR"/>
               <a:t>Cliquez pour modifier les styles du texte du masque</a:t>
             </a:r>
           </a:p>
           <a:p>
             <a:pPr lvl="1"/>
             <a:r>
-              <a:rPr lang="fr-FR" smtClean="0"/>
+              <a:rPr lang="fr-FR"/>
               <a:t>Deuxième niveau</a:t>
             </a:r>
           </a:p>
           <a:p>
             <a:pPr lvl="2"/>
             <a:r>
-              <a:rPr lang="fr-FR" smtClean="0"/>
+              <a:rPr lang="fr-FR"/>
               <a:t>Troisième niveau</a:t>
             </a:r>
           </a:p>
           <a:p>
             <a:pPr lvl="3"/>
             <a:r>
-              <a:rPr lang="fr-FR" smtClean="0"/>
+              <a:rPr lang="fr-FR"/>
               <a:t>Quatrième niveau</a:t>
             </a:r>
           </a:p>
           <a:p>
             <a:pPr lvl="4"/>
             <a:r>
-              <a:rPr lang="fr-FR" smtClean="0"/>
+              <a:rPr lang="fr-FR"/>
               <a:t>Cinquième niveau</a:t>
             </a:r>
-            <a:endParaRPr lang="fr-FR"/>
           </a:p>
         </p:txBody>
       </p:sp>
@@ -465,7 +477,7 @@
             <a:fld id="{E1E9137A-D7C1-4F8C-A62B-C89ADD9F06F3}" type="datetimeFigureOut">
               <a:rPr lang="fr-FR" smtClean="0"/>
               <a:pPr/>
-              <a:t>27/10/2014</a:t>
+              <a:t>03/12/2023</a:t>
             </a:fld>
             <a:endParaRPr lang="fr-FR"/>
           </a:p>
@@ -560,10 +572,9 @@
           <a:lstStyle/>
           <a:p>
             <a:r>
-              <a:rPr lang="fr-FR" smtClean="0"/>
+              <a:rPr lang="fr-FR"/>
               <a:t>Cliquez pour modifier le style du titre</a:t>
             </a:r>
-            <a:endParaRPr lang="fr-FR"/>
           </a:p>
         </p:txBody>
       </p:sp>
@@ -589,38 +600,37 @@
           <a:p>
             <a:pPr lvl="0"/>
             <a:r>
-              <a:rPr lang="fr-FR" smtClean="0"/>
+              <a:rPr lang="fr-FR"/>
               <a:t>Cliquez pour modifier les styles du texte du masque</a:t>
             </a:r>
           </a:p>
           <a:p>
             <a:pPr lvl="1"/>
             <a:r>
-              <a:rPr lang="fr-FR" smtClean="0"/>
+              <a:rPr lang="fr-FR"/>
               <a:t>Deuxième niveau</a:t>
             </a:r>
           </a:p>
           <a:p>
             <a:pPr lvl="2"/>
             <a:r>
-              <a:rPr lang="fr-FR" smtClean="0"/>
+              <a:rPr lang="fr-FR"/>
               <a:t>Troisième niveau</a:t>
             </a:r>
           </a:p>
           <a:p>
             <a:pPr lvl="3"/>
             <a:r>
-              <a:rPr lang="fr-FR" smtClean="0"/>
+              <a:rPr lang="fr-FR"/>
               <a:t>Quatrième niveau</a:t>
             </a:r>
           </a:p>
           <a:p>
             <a:pPr lvl="4"/>
             <a:r>
-              <a:rPr lang="fr-FR" smtClean="0"/>
+              <a:rPr lang="fr-FR"/>
               <a:t>Cinquième niveau</a:t>
             </a:r>
-            <a:endParaRPr lang="fr-FR"/>
           </a:p>
         </p:txBody>
       </p:sp>
@@ -642,7 +652,7 @@
             <a:fld id="{E1E9137A-D7C1-4F8C-A62B-C89ADD9F06F3}" type="datetimeFigureOut">
               <a:rPr lang="fr-FR" smtClean="0"/>
               <a:pPr/>
-              <a:t>27/10/2014</a:t>
+              <a:t>03/12/2023</a:t>
             </a:fld>
             <a:endParaRPr lang="fr-FR"/>
           </a:p>
@@ -732,10 +742,9 @@
           <a:lstStyle/>
           <a:p>
             <a:r>
-              <a:rPr lang="fr-FR" smtClean="0"/>
+              <a:rPr lang="fr-FR"/>
               <a:t>Cliquez pour modifier le style du titre</a:t>
             </a:r>
-            <a:endParaRPr lang="fr-FR"/>
           </a:p>
         </p:txBody>
       </p:sp>
@@ -756,38 +765,37 @@
           <a:p>
             <a:pPr lvl="0"/>
             <a:r>
-              <a:rPr lang="fr-FR" smtClean="0"/>
+              <a:rPr lang="fr-FR"/>
               <a:t>Cliquez pour modifier les styles du texte du masque</a:t>
             </a:r>
           </a:p>
           <a:p>
             <a:pPr lvl="1"/>
             <a:r>
-              <a:rPr lang="fr-FR" smtClean="0"/>
+              <a:rPr lang="fr-FR"/>
               <a:t>Deuxième niveau</a:t>
             </a:r>
           </a:p>
           <a:p>
             <a:pPr lvl="2"/>
             <a:r>
-              <a:rPr lang="fr-FR" smtClean="0"/>
+              <a:rPr lang="fr-FR"/>
               <a:t>Troisième niveau</a:t>
             </a:r>
           </a:p>
           <a:p>
             <a:pPr lvl="3"/>
             <a:r>
-              <a:rPr lang="fr-FR" smtClean="0"/>
+              <a:rPr lang="fr-FR"/>
               <a:t>Quatrième niveau</a:t>
             </a:r>
           </a:p>
           <a:p>
             <a:pPr lvl="4"/>
             <a:r>
-              <a:rPr lang="fr-FR" smtClean="0"/>
+              <a:rPr lang="fr-FR"/>
               <a:t>Cinquième niveau</a:t>
             </a:r>
-            <a:endParaRPr lang="fr-FR"/>
           </a:p>
         </p:txBody>
       </p:sp>
@@ -809,7 +817,7 @@
             <a:fld id="{E1E9137A-D7C1-4F8C-A62B-C89ADD9F06F3}" type="datetimeFigureOut">
               <a:rPr lang="fr-FR" smtClean="0"/>
               <a:pPr/>
-              <a:t>27/10/2014</a:t>
+              <a:t>03/12/2023</a:t>
             </a:fld>
             <a:endParaRPr lang="fr-FR"/>
           </a:p>
@@ -908,10 +916,9 @@
           </a:lstStyle>
           <a:p>
             <a:r>
-              <a:rPr lang="fr-FR" smtClean="0"/>
+              <a:rPr lang="fr-FR"/>
               <a:t>Cliquez pour modifier le style du titre</a:t>
             </a:r>
-            <a:endParaRPr lang="fr-FR"/>
           </a:p>
         </p:txBody>
       </p:sp>
@@ -1028,7 +1035,7 @@
           <a:p>
             <a:pPr lvl="0"/>
             <a:r>
-              <a:rPr lang="fr-FR" smtClean="0"/>
+              <a:rPr lang="fr-FR"/>
               <a:t>Cliquez pour modifier les styles du texte du masque</a:t>
             </a:r>
           </a:p>
@@ -1052,7 +1059,7 @@
             <a:fld id="{E1E9137A-D7C1-4F8C-A62B-C89ADD9F06F3}" type="datetimeFigureOut">
               <a:rPr lang="fr-FR" smtClean="0"/>
               <a:pPr/>
-              <a:t>27/10/2014</a:t>
+              <a:t>03/12/2023</a:t>
             </a:fld>
             <a:endParaRPr lang="fr-FR"/>
           </a:p>
@@ -1142,10 +1149,9 @@
           <a:lstStyle/>
           <a:p>
             <a:r>
-              <a:rPr lang="fr-FR" smtClean="0"/>
+              <a:rPr lang="fr-FR"/>
               <a:t>Cliquez pour modifier le style du titre</a:t>
             </a:r>
-            <a:endParaRPr lang="fr-FR"/>
           </a:p>
         </p:txBody>
       </p:sp>
@@ -1199,38 +1205,37 @@
           <a:p>
             <a:pPr lvl="0"/>
             <a:r>
-              <a:rPr lang="fr-FR" smtClean="0"/>
+              <a:rPr lang="fr-FR"/>
               <a:t>Cliquez pour modifier les styles du texte du masque</a:t>
             </a:r>
           </a:p>
           <a:p>
             <a:pPr lvl="1"/>
             <a:r>
-              <a:rPr lang="fr-FR" smtClean="0"/>
+              <a:rPr lang="fr-FR"/>
               <a:t>Deuxième niveau</a:t>
             </a:r>
           </a:p>
           <a:p>
             <a:pPr lvl="2"/>
             <a:r>
-              <a:rPr lang="fr-FR" smtClean="0"/>
+              <a:rPr lang="fr-FR"/>
               <a:t>Troisième niveau</a:t>
             </a:r>
           </a:p>
           <a:p>
             <a:pPr lvl="3"/>
             <a:r>
-              <a:rPr lang="fr-FR" smtClean="0"/>
+              <a:rPr lang="fr-FR"/>
               <a:t>Quatrième niveau</a:t>
             </a:r>
           </a:p>
           <a:p>
             <a:pPr lvl="4"/>
             <a:r>
-              <a:rPr lang="fr-FR" smtClean="0"/>
+              <a:rPr lang="fr-FR"/>
               <a:t>Cinquième niveau</a:t>
             </a:r>
-            <a:endParaRPr lang="fr-FR"/>
           </a:p>
         </p:txBody>
       </p:sp>
@@ -1284,38 +1289,37 @@
           <a:p>
             <a:pPr lvl="0"/>
             <a:r>
-              <a:rPr lang="fr-FR" smtClean="0"/>
+              <a:rPr lang="fr-FR"/>
               <a:t>Cliquez pour modifier les styles du texte du masque</a:t>
             </a:r>
           </a:p>
           <a:p>
             <a:pPr lvl="1"/>
             <a:r>
-              <a:rPr lang="fr-FR" smtClean="0"/>
+              <a:rPr lang="fr-FR"/>
               <a:t>Deuxième niveau</a:t>
             </a:r>
           </a:p>
           <a:p>
             <a:pPr lvl="2"/>
             <a:r>
-              <a:rPr lang="fr-FR" smtClean="0"/>
+              <a:rPr lang="fr-FR"/>
               <a:t>Troisième niveau</a:t>
             </a:r>
           </a:p>
           <a:p>
             <a:pPr lvl="3"/>
             <a:r>
-              <a:rPr lang="fr-FR" smtClean="0"/>
+              <a:rPr lang="fr-FR"/>
               <a:t>Quatrième niveau</a:t>
             </a:r>
           </a:p>
           <a:p>
             <a:pPr lvl="4"/>
             <a:r>
-              <a:rPr lang="fr-FR" smtClean="0"/>
+              <a:rPr lang="fr-FR"/>
               <a:t>Cinquième niveau</a:t>
             </a:r>
-            <a:endParaRPr lang="fr-FR"/>
           </a:p>
         </p:txBody>
       </p:sp>
@@ -1337,7 +1341,7 @@
             <a:fld id="{E1E9137A-D7C1-4F8C-A62B-C89ADD9F06F3}" type="datetimeFigureOut">
               <a:rPr lang="fr-FR" smtClean="0"/>
               <a:pPr/>
-              <a:t>27/10/2014</a:t>
+              <a:t>03/12/2023</a:t>
             </a:fld>
             <a:endParaRPr lang="fr-FR"/>
           </a:p>
@@ -1431,10 +1435,9 @@
           </a:lstStyle>
           <a:p>
             <a:r>
-              <a:rPr lang="fr-FR" smtClean="0"/>
+              <a:rPr lang="fr-FR"/>
               <a:t>Cliquez pour modifier le style du titre</a:t>
             </a:r>
-            <a:endParaRPr lang="fr-FR"/>
           </a:p>
         </p:txBody>
       </p:sp>
@@ -1497,7 +1500,7 @@
           <a:p>
             <a:pPr lvl="0"/>
             <a:r>
-              <a:rPr lang="fr-FR" smtClean="0"/>
+              <a:rPr lang="fr-FR"/>
               <a:t>Cliquez pour modifier les styles du texte du masque</a:t>
             </a:r>
           </a:p>
@@ -1553,38 +1556,37 @@
           <a:p>
             <a:pPr lvl="0"/>
             <a:r>
-              <a:rPr lang="fr-FR" smtClean="0"/>
+              <a:rPr lang="fr-FR"/>
               <a:t>Cliquez pour modifier les styles du texte du masque</a:t>
             </a:r>
           </a:p>
           <a:p>
             <a:pPr lvl="1"/>
             <a:r>
-              <a:rPr lang="fr-FR" smtClean="0"/>
+              <a:rPr lang="fr-FR"/>
               <a:t>Deuxième niveau</a:t>
             </a:r>
           </a:p>
           <a:p>
             <a:pPr lvl="2"/>
             <a:r>
-              <a:rPr lang="fr-FR" smtClean="0"/>
+              <a:rPr lang="fr-FR"/>
               <a:t>Troisième niveau</a:t>
             </a:r>
           </a:p>
           <a:p>
             <a:pPr lvl="3"/>
             <a:r>
-              <a:rPr lang="fr-FR" smtClean="0"/>
+              <a:rPr lang="fr-FR"/>
               <a:t>Quatrième niveau</a:t>
             </a:r>
           </a:p>
           <a:p>
             <a:pPr lvl="4"/>
             <a:r>
-              <a:rPr lang="fr-FR" smtClean="0"/>
+              <a:rPr lang="fr-FR"/>
               <a:t>Cinquième niveau</a:t>
             </a:r>
-            <a:endParaRPr lang="fr-FR"/>
           </a:p>
         </p:txBody>
       </p:sp>
@@ -1647,7 +1649,7 @@
           <a:p>
             <a:pPr lvl="0"/>
             <a:r>
-              <a:rPr lang="fr-FR" smtClean="0"/>
+              <a:rPr lang="fr-FR"/>
               <a:t>Cliquez pour modifier les styles du texte du masque</a:t>
             </a:r>
           </a:p>
@@ -1703,38 +1705,37 @@
           <a:p>
             <a:pPr lvl="0"/>
             <a:r>
-              <a:rPr lang="fr-FR" smtClean="0"/>
+              <a:rPr lang="fr-FR"/>
               <a:t>Cliquez pour modifier les styles du texte du masque</a:t>
             </a:r>
           </a:p>
           <a:p>
             <a:pPr lvl="1"/>
             <a:r>
-              <a:rPr lang="fr-FR" smtClean="0"/>
+              <a:rPr lang="fr-FR"/>
               <a:t>Deuxième niveau</a:t>
             </a:r>
           </a:p>
           <a:p>
             <a:pPr lvl="2"/>
             <a:r>
-              <a:rPr lang="fr-FR" smtClean="0"/>
+              <a:rPr lang="fr-FR"/>
               <a:t>Troisième niveau</a:t>
             </a:r>
           </a:p>
           <a:p>
             <a:pPr lvl="3"/>
             <a:r>
-              <a:rPr lang="fr-FR" smtClean="0"/>
+              <a:rPr lang="fr-FR"/>
               <a:t>Quatrième niveau</a:t>
             </a:r>
           </a:p>
           <a:p>
             <a:pPr lvl="4"/>
             <a:r>
-              <a:rPr lang="fr-FR" smtClean="0"/>
+              <a:rPr lang="fr-FR"/>
               <a:t>Cinquième niveau</a:t>
             </a:r>
-            <a:endParaRPr lang="fr-FR"/>
           </a:p>
         </p:txBody>
       </p:sp>
@@ -1756,7 +1757,7 @@
             <a:fld id="{E1E9137A-D7C1-4F8C-A62B-C89ADD9F06F3}" type="datetimeFigureOut">
               <a:rPr lang="fr-FR" smtClean="0"/>
               <a:pPr/>
-              <a:t>27/10/2014</a:t>
+              <a:t>03/12/2023</a:t>
             </a:fld>
             <a:endParaRPr lang="fr-FR"/>
           </a:p>
@@ -1846,10 +1847,9 @@
           <a:lstStyle/>
           <a:p>
             <a:r>
-              <a:rPr lang="fr-FR" smtClean="0"/>
+              <a:rPr lang="fr-FR"/>
               <a:t>Cliquez pour modifier le style du titre</a:t>
             </a:r>
-            <a:endParaRPr lang="fr-FR"/>
           </a:p>
         </p:txBody>
       </p:sp>
@@ -1871,7 +1871,7 @@
             <a:fld id="{E1E9137A-D7C1-4F8C-A62B-C89ADD9F06F3}" type="datetimeFigureOut">
               <a:rPr lang="fr-FR" smtClean="0"/>
               <a:pPr/>
-              <a:t>27/10/2014</a:t>
+              <a:t>03/12/2023</a:t>
             </a:fld>
             <a:endParaRPr lang="fr-FR"/>
           </a:p>
@@ -1963,7 +1963,7 @@
             <a:fld id="{E1E9137A-D7C1-4F8C-A62B-C89ADD9F06F3}" type="datetimeFigureOut">
               <a:rPr lang="fr-FR" smtClean="0"/>
               <a:pPr/>
-              <a:t>27/10/2014</a:t>
+              <a:t>03/12/2023</a:t>
             </a:fld>
             <a:endParaRPr lang="fr-FR"/>
           </a:p>
@@ -2062,10 +2062,9 @@
           </a:lstStyle>
           <a:p>
             <a:r>
-              <a:rPr lang="fr-FR" smtClean="0"/>
+              <a:rPr lang="fr-FR"/>
               <a:t>Cliquez pour modifier le style du titre</a:t>
             </a:r>
-            <a:endParaRPr lang="fr-FR"/>
           </a:p>
         </p:txBody>
       </p:sp>
@@ -2119,38 +2118,37 @@
           <a:p>
             <a:pPr lvl="0"/>
             <a:r>
-              <a:rPr lang="fr-FR" smtClean="0"/>
+              <a:rPr lang="fr-FR"/>
               <a:t>Cliquez pour modifier les styles du texte du masque</a:t>
             </a:r>
           </a:p>
           <a:p>
             <a:pPr lvl="1"/>
             <a:r>
-              <a:rPr lang="fr-FR" smtClean="0"/>
+              <a:rPr lang="fr-FR"/>
               <a:t>Deuxième niveau</a:t>
             </a:r>
           </a:p>
           <a:p>
             <a:pPr lvl="2"/>
             <a:r>
-              <a:rPr lang="fr-FR" smtClean="0"/>
+              <a:rPr lang="fr-FR"/>
               <a:t>Troisième niveau</a:t>
             </a:r>
           </a:p>
           <a:p>
             <a:pPr lvl="3"/>
             <a:r>
-              <a:rPr lang="fr-FR" smtClean="0"/>
+              <a:rPr lang="fr-FR"/>
               <a:t>Quatrième niveau</a:t>
             </a:r>
           </a:p>
           <a:p>
             <a:pPr lvl="4"/>
             <a:r>
-              <a:rPr lang="fr-FR" smtClean="0"/>
+              <a:rPr lang="fr-FR"/>
               <a:t>Cinquième niveau</a:t>
             </a:r>
-            <a:endParaRPr lang="fr-FR"/>
           </a:p>
         </p:txBody>
       </p:sp>
@@ -2213,7 +2211,7 @@
           <a:p>
             <a:pPr lvl="0"/>
             <a:r>
-              <a:rPr lang="fr-FR" smtClean="0"/>
+              <a:rPr lang="fr-FR"/>
               <a:t>Cliquez pour modifier les styles du texte du masque</a:t>
             </a:r>
           </a:p>
@@ -2237,7 +2235,7 @@
             <a:fld id="{E1E9137A-D7C1-4F8C-A62B-C89ADD9F06F3}" type="datetimeFigureOut">
               <a:rPr lang="fr-FR" smtClean="0"/>
               <a:pPr/>
-              <a:t>27/10/2014</a:t>
+              <a:t>03/12/2023</a:t>
             </a:fld>
             <a:endParaRPr lang="fr-FR"/>
           </a:p>
@@ -2336,10 +2334,9 @@
           </a:lstStyle>
           <a:p>
             <a:r>
-              <a:rPr lang="fr-FR" smtClean="0"/>
+              <a:rPr lang="fr-FR"/>
               <a:t>Cliquez pour modifier le style du titre</a:t>
             </a:r>
-            <a:endParaRPr lang="fr-FR"/>
           </a:p>
         </p:txBody>
       </p:sp>
@@ -2463,7 +2460,7 @@
           <a:p>
             <a:pPr lvl="0"/>
             <a:r>
-              <a:rPr lang="fr-FR" smtClean="0"/>
+              <a:rPr lang="fr-FR"/>
               <a:t>Cliquez pour modifier les styles du texte du masque</a:t>
             </a:r>
           </a:p>
@@ -2487,7 +2484,7 @@
             <a:fld id="{E1E9137A-D7C1-4F8C-A62B-C89ADD9F06F3}" type="datetimeFigureOut">
               <a:rPr lang="fr-FR" smtClean="0"/>
               <a:pPr/>
-              <a:t>27/10/2014</a:t>
+              <a:t>03/12/2023</a:t>
             </a:fld>
             <a:endParaRPr lang="fr-FR"/>
           </a:p>
@@ -2600,10 +2597,9 @@
           <a:lstStyle/>
           <a:p>
             <a:r>
-              <a:rPr lang="fr-FR" smtClean="0"/>
+              <a:rPr lang="fr-FR"/>
               <a:t>Cliquez pour modifier le style du titre</a:t>
             </a:r>
-            <a:endParaRPr lang="fr-FR"/>
           </a:p>
         </p:txBody>
       </p:sp>
@@ -2634,38 +2630,37 @@
           <a:p>
             <a:pPr lvl="0"/>
             <a:r>
-              <a:rPr lang="fr-FR" smtClean="0"/>
+              <a:rPr lang="fr-FR"/>
               <a:t>Cliquez pour modifier les styles du texte du masque</a:t>
             </a:r>
           </a:p>
           <a:p>
             <a:pPr lvl="1"/>
             <a:r>
-              <a:rPr lang="fr-FR" smtClean="0"/>
+              <a:rPr lang="fr-FR"/>
               <a:t>Deuxième niveau</a:t>
             </a:r>
           </a:p>
           <a:p>
             <a:pPr lvl="2"/>
             <a:r>
-              <a:rPr lang="fr-FR" smtClean="0"/>
+              <a:rPr lang="fr-FR"/>
               <a:t>Troisième niveau</a:t>
             </a:r>
           </a:p>
           <a:p>
             <a:pPr lvl="3"/>
             <a:r>
-              <a:rPr lang="fr-FR" smtClean="0"/>
+              <a:rPr lang="fr-FR"/>
               <a:t>Quatrième niveau</a:t>
             </a:r>
           </a:p>
           <a:p>
             <a:pPr lvl="4"/>
             <a:r>
-              <a:rPr lang="fr-FR" smtClean="0"/>
+              <a:rPr lang="fr-FR"/>
               <a:t>Cinquième niveau</a:t>
             </a:r>
-            <a:endParaRPr lang="fr-FR"/>
           </a:p>
         </p:txBody>
       </p:sp>
@@ -2705,7 +2700,7 @@
             <a:fld id="{E1E9137A-D7C1-4F8C-A62B-C89ADD9F06F3}" type="datetimeFigureOut">
               <a:rPr lang="fr-FR" smtClean="0"/>
               <a:pPr/>
-              <a:t>27/10/2014</a:t>
+              <a:t>03/12/2023</a:t>
             </a:fld>
             <a:endParaRPr lang="fr-FR"/>
           </a:p>
@@ -3098,15 +3093,15 @@
           <a:lstStyle/>
           <a:p>
             <a:r>
-              <a:rPr lang="fr-FR" sz="4000" b="1" dirty="0" err="1" smtClean="0"/>
+              <a:rPr lang="fr-FR" sz="4000" b="1" dirty="0" err="1"/>
               <a:t>Endrika</a:t>
             </a:r>
             <a:r>
-              <a:rPr lang="fr-FR" sz="4000" b="1" dirty="0" smtClean="0"/>
+              <a:rPr lang="fr-FR" sz="4000" b="1" dirty="0"/>
               <a:t>  </a:t>
             </a:r>
             <a:r>
-              <a:rPr lang="fr-FR" sz="4000" b="1" dirty="0" err="1" smtClean="0"/>
+              <a:rPr lang="fr-FR" sz="4000" b="1" dirty="0" err="1"/>
               <a:t>sariaka</a:t>
             </a:r>
             <a:endParaRPr lang="fr-FR" sz="4000" dirty="0"/>
@@ -3136,7 +3131,7 @@
           <a:p>
             <a:pPr algn="ctr"/>
             <a:r>
-              <a:rPr lang="fi-FI" sz="19900" b="1" dirty="0" smtClean="0"/>
+              <a:rPr lang="fi-FI" sz="19900" b="1" dirty="0"/>
               <a:t>430</a:t>
             </a:r>
             <a:endParaRPr lang="fr-FR" sz="19900" dirty="0"/>
@@ -3191,7 +3186,7 @@
           <a:p>
             <a:pPr algn="ctr"/>
             <a:r>
-              <a:rPr lang="fr-FR" sz="4800" b="1" dirty="0" smtClean="0">
+              <a:rPr lang="fr-FR" sz="4800" b="1" dirty="0">
                 <a:solidFill>
                   <a:srgbClr val="FF0000"/>
                 </a:solidFill>
@@ -3199,163 +3194,163 @@
               <a:t>1. </a:t>
             </a:r>
             <a:r>
-              <a:rPr lang="fr-FR" sz="4800" b="1" dirty="0" err="1" smtClean="0"/>
+              <a:rPr lang="fr-FR" sz="4800" b="1" dirty="0" err="1"/>
               <a:t>Endrika</a:t>
             </a:r>
             <a:r>
-              <a:rPr lang="fr-FR" sz="4800" b="1" dirty="0" smtClean="0"/>
-              <a:t> </a:t>
-            </a:r>
-            <a:r>
-              <a:rPr lang="fr-FR" sz="4800" b="1" dirty="0" err="1" smtClean="0"/>
+              <a:rPr lang="fr-FR" sz="4800" b="1" dirty="0"/>
+              <a:t> </a:t>
+            </a:r>
+            <a:r>
+              <a:rPr lang="fr-FR" sz="4800" b="1" dirty="0" err="1"/>
               <a:t>sariaka</a:t>
             </a:r>
             <a:r>
-              <a:rPr lang="fr-FR" sz="4800" b="1" dirty="0" smtClean="0"/>
+              <a:rPr lang="fr-FR" sz="4800" b="1" dirty="0"/>
               <a:t> no</a:t>
             </a:r>
           </a:p>
           <a:p>
             <a:pPr algn="ctr"/>
             <a:r>
-              <a:rPr lang="fr-FR" sz="4800" b="1" dirty="0" err="1" smtClean="0"/>
+              <a:rPr lang="fr-FR" sz="4800" b="1" dirty="0" err="1"/>
               <a:t>Anompoako</a:t>
             </a:r>
             <a:r>
-              <a:rPr lang="fr-FR" sz="4800" b="1" dirty="0" smtClean="0"/>
-              <a:t> </a:t>
-            </a:r>
-            <a:r>
-              <a:rPr lang="fr-FR" sz="4800" b="1" dirty="0" err="1" smtClean="0"/>
+              <a:rPr lang="fr-FR" sz="4800" b="1" dirty="0"/>
+              <a:t> </a:t>
+            </a:r>
+            <a:r>
+              <a:rPr lang="fr-FR" sz="4800" b="1" dirty="0" err="1"/>
               <a:t>Anao</a:t>
             </a:r>
             <a:r>
-              <a:rPr lang="fr-FR" sz="4800" b="1" dirty="0" smtClean="0"/>
+              <a:rPr lang="fr-FR" sz="4800" b="1" dirty="0"/>
               <a:t>, </a:t>
             </a:r>
           </a:p>
           <a:p>
             <a:pPr algn="ctr"/>
             <a:r>
-              <a:rPr lang="fr-FR" sz="4800" b="1" dirty="0" err="1" smtClean="0"/>
+              <a:rPr lang="fr-FR" sz="4800" b="1" dirty="0" err="1"/>
               <a:t>Jehovah</a:t>
             </a:r>
             <a:r>
-              <a:rPr lang="fr-FR" sz="4800" b="1" dirty="0" smtClean="0"/>
+              <a:rPr lang="fr-FR" sz="4800" b="1" dirty="0"/>
               <a:t> Ray</a:t>
             </a:r>
           </a:p>
           <a:p>
             <a:pPr algn="ctr"/>
             <a:r>
-              <a:rPr lang="fr-FR" sz="4800" b="1" dirty="0" smtClean="0"/>
+              <a:rPr lang="fr-FR" sz="4800" b="1" dirty="0"/>
               <a:t>Fa </a:t>
             </a:r>
             <a:r>
-              <a:rPr lang="fr-FR" sz="4800" b="1" dirty="0" err="1" smtClean="0"/>
+              <a:rPr lang="fr-FR" sz="4800" b="1" dirty="0" err="1"/>
               <a:t>tafika</a:t>
             </a:r>
             <a:r>
-              <a:rPr lang="fr-FR" sz="4800" b="1" dirty="0" smtClean="0"/>
-              <a:t> </a:t>
-            </a:r>
-            <a:r>
-              <a:rPr lang="fr-FR" sz="4800" b="1" smtClean="0"/>
+              <a:rPr lang="fr-FR" sz="4800" b="1" dirty="0"/>
+              <a:t> </a:t>
+            </a:r>
+            <a:r>
+              <a:rPr lang="fr-FR" sz="4800" b="1"/>
               <a:t>nidika:</a:t>
             </a:r>
-            <a:endParaRPr lang="fr-FR" sz="4800" b="1" dirty="0" smtClean="0"/>
+            <a:endParaRPr lang="fr-FR" sz="4800" b="1" dirty="0"/>
           </a:p>
           <a:p>
             <a:pPr algn="ctr"/>
             <a:r>
-              <a:rPr lang="fr-FR" sz="4800" b="1" dirty="0" err="1" smtClean="0"/>
+              <a:rPr lang="fr-FR" sz="4800" b="1" dirty="0" err="1"/>
               <a:t>Izaho</a:t>
             </a:r>
             <a:r>
-              <a:rPr lang="fr-FR" sz="4800" b="1" dirty="0" smtClean="0"/>
+              <a:rPr lang="fr-FR" sz="4800" b="1" dirty="0"/>
               <a:t> dia </a:t>
             </a:r>
             <a:r>
-              <a:rPr lang="fr-FR" sz="4800" b="1" dirty="0" err="1" smtClean="0"/>
+              <a:rPr lang="fr-FR" sz="4800" b="1" dirty="0" err="1"/>
               <a:t>olonao</a:t>
             </a:r>
             <a:r>
-              <a:rPr lang="fr-FR" sz="4800" b="1" dirty="0" smtClean="0"/>
-              <a:t> </a:t>
-            </a:r>
-            <a:r>
-              <a:rPr lang="fr-FR" sz="4800" b="1" dirty="0" err="1" smtClean="0"/>
+              <a:rPr lang="fr-FR" sz="4800" b="1" dirty="0"/>
+              <a:t> </a:t>
+            </a:r>
+            <a:r>
+              <a:rPr lang="fr-FR" sz="4800" b="1" dirty="0" err="1"/>
               <a:t>mandrakizay</a:t>
             </a:r>
             <a:r>
-              <a:rPr lang="fr-FR" sz="4800" b="1" dirty="0" smtClean="0"/>
+              <a:rPr lang="fr-FR" sz="4800" b="1" dirty="0"/>
               <a:t>.</a:t>
             </a:r>
           </a:p>
           <a:p>
             <a:pPr algn="ctr"/>
             <a:r>
-              <a:rPr lang="fr-FR" sz="4800" b="1" dirty="0" smtClean="0"/>
+              <a:rPr lang="fr-FR" sz="4800" b="1" dirty="0"/>
               <a:t>He </a:t>
             </a:r>
             <a:r>
-              <a:rPr lang="fr-FR" sz="4800" b="1" dirty="0" err="1" smtClean="0"/>
+              <a:rPr lang="fr-FR" sz="4800" b="1" dirty="0" err="1"/>
               <a:t>ny</a:t>
             </a:r>
             <a:r>
-              <a:rPr lang="fr-FR" sz="4800" b="1" dirty="0" smtClean="0"/>
-              <a:t> </a:t>
-            </a:r>
-            <a:r>
-              <a:rPr lang="fr-FR" sz="4800" b="1" dirty="0" err="1" smtClean="0"/>
+              <a:rPr lang="fr-FR" sz="4800" b="1" dirty="0"/>
+              <a:t> </a:t>
+            </a:r>
+            <a:r>
+              <a:rPr lang="fr-FR" sz="4800" b="1" dirty="0" err="1"/>
               <a:t>foko</a:t>
             </a:r>
             <a:r>
-              <a:rPr lang="fr-FR" sz="4800" b="1" dirty="0" smtClean="0"/>
-              <a:t> </a:t>
-            </a:r>
-            <a:r>
-              <a:rPr lang="fr-FR" sz="4800" b="1" dirty="0" err="1" smtClean="0"/>
+              <a:rPr lang="fr-FR" sz="4800" b="1" dirty="0"/>
+              <a:t> </a:t>
+            </a:r>
+            <a:r>
+              <a:rPr lang="fr-FR" sz="4800" b="1" dirty="0" err="1"/>
               <a:t>afa</a:t>
             </a:r>
             <a:r>
-              <a:rPr lang="fr-FR" sz="4800" b="1" dirty="0" smtClean="0"/>
+              <a:rPr lang="fr-FR" sz="4800" b="1" dirty="0"/>
               <a:t>-</a:t>
             </a:r>
             <a:r>
-              <a:rPr lang="fr-FR" sz="4800" b="1" dirty="0" err="1" smtClean="0"/>
+              <a:rPr lang="fr-FR" sz="4800" b="1" dirty="0" err="1"/>
               <a:t>jaly</a:t>
             </a:r>
-            <a:endParaRPr lang="fr-FR" sz="4800" b="1" dirty="0" smtClean="0"/>
+            <a:endParaRPr lang="fr-FR" sz="4800" b="1" dirty="0"/>
           </a:p>
           <a:p>
             <a:pPr algn="ctr"/>
             <a:r>
-              <a:rPr lang="fr-FR" sz="4800" b="1" dirty="0" smtClean="0"/>
+              <a:rPr lang="fr-FR" sz="4800" b="1" dirty="0"/>
               <a:t>Tena </a:t>
             </a:r>
             <a:r>
-              <a:rPr lang="fr-FR" sz="4800" b="1" dirty="0" err="1" smtClean="0"/>
+              <a:rPr lang="fr-FR" sz="4800" b="1" dirty="0" err="1"/>
               <a:t>ravo</a:t>
             </a:r>
             <a:r>
-              <a:rPr lang="fr-FR" sz="4800" b="1" dirty="0" smtClean="0"/>
+              <a:rPr lang="fr-FR" sz="4800" b="1" dirty="0"/>
               <a:t>, </a:t>
             </a:r>
             <a:r>
-              <a:rPr lang="fr-FR" sz="4800" b="1" dirty="0" err="1" smtClean="0"/>
+              <a:rPr lang="fr-FR" sz="4800" b="1" dirty="0" err="1"/>
               <a:t>sady</a:t>
             </a:r>
             <a:r>
-              <a:rPr lang="fr-FR" sz="4800" b="1" dirty="0" smtClean="0"/>
-              <a:t> </a:t>
-            </a:r>
-            <a:r>
-              <a:rPr lang="fr-FR" sz="4800" b="1" dirty="0" err="1" smtClean="0"/>
+              <a:rPr lang="fr-FR" sz="4800" b="1" dirty="0"/>
+              <a:t> </a:t>
+            </a:r>
+            <a:r>
+              <a:rPr lang="fr-FR" sz="4800" b="1" dirty="0" err="1"/>
               <a:t>falifaly</a:t>
             </a:r>
             <a:r>
-              <a:rPr lang="fr-FR" sz="4800" b="1" dirty="0" smtClean="0"/>
+              <a:rPr lang="fr-FR" sz="4800" b="1" dirty="0"/>
               <a:t>,</a:t>
             </a:r>
           </a:p>
@@ -3418,9 +3413,6 @@
             <a:pPr algn="ctr"/>
             <a:r>
               <a:rPr lang="nn-NO" sz="6600" b="1" i="1" dirty="0">
-                <a:solidFill>
-                  <a:srgbClr val="0070C0"/>
-                </a:solidFill>
                 <a:effectLst>
                   <a:outerShdw blurRad="38100" dist="38100" dir="2700000" algn="tl">
                     <a:srgbClr val="000000">
@@ -3436,9 +3428,6 @@
             <a:pPr algn="ctr"/>
             <a:r>
               <a:rPr lang="fr-FR" sz="6600" b="1" i="1" dirty="0" err="1">
-                <a:solidFill>
-                  <a:srgbClr val="0070C0"/>
-                </a:solidFill>
                 <a:effectLst>
                   <a:outerShdw blurRad="38100" dist="38100" dir="2700000" algn="tl">
                     <a:srgbClr val="000000">
@@ -3451,9 +3440,6 @@
             </a:r>
             <a:r>
               <a:rPr lang="fr-FR" sz="6600" b="1" i="1" dirty="0">
-                <a:solidFill>
-                  <a:srgbClr val="0070C0"/>
-                </a:solidFill>
                 <a:effectLst>
                   <a:outerShdw blurRad="38100" dist="38100" dir="2700000" algn="tl">
                     <a:srgbClr val="000000">
@@ -3466,9 +3452,6 @@
             </a:r>
             <a:r>
               <a:rPr lang="fr-FR" sz="6600" b="1" i="1" dirty="0" err="1">
-                <a:solidFill>
-                  <a:srgbClr val="0070C0"/>
-                </a:solidFill>
                 <a:effectLst>
                   <a:outerShdw blurRad="38100" dist="38100" dir="2700000" algn="tl">
                     <a:srgbClr val="000000">
@@ -3481,9 +3464,6 @@
             </a:r>
             <a:r>
               <a:rPr lang="fr-FR" sz="6600" b="1" i="1" dirty="0">
-                <a:solidFill>
-                  <a:srgbClr val="0070C0"/>
-                </a:solidFill>
                 <a:effectLst>
                   <a:outerShdw blurRad="38100" dist="38100" dir="2700000" algn="tl">
                     <a:srgbClr val="000000">
@@ -3496,9 +3476,6 @@
             </a:r>
             <a:r>
               <a:rPr lang="fr-FR" sz="6600" b="1" i="1" dirty="0" err="1">
-                <a:solidFill>
-                  <a:srgbClr val="0070C0"/>
-                </a:solidFill>
                 <a:effectLst>
                   <a:outerShdw blurRad="38100" dist="38100" dir="2700000" algn="tl">
                     <a:srgbClr val="000000">
@@ -3511,9 +3488,6 @@
             </a:r>
             <a:r>
               <a:rPr lang="fr-FR" sz="6600" b="1" i="1" dirty="0">
-                <a:solidFill>
-                  <a:srgbClr val="0070C0"/>
-                </a:solidFill>
                 <a:effectLst>
                   <a:outerShdw blurRad="38100" dist="38100" dir="2700000" algn="tl">
                     <a:srgbClr val="000000">
@@ -3580,7 +3554,7 @@
           <a:p>
             <a:pPr algn="ctr"/>
             <a:r>
-              <a:rPr lang="fr-FR" sz="4800" b="1" dirty="0" smtClean="0">
+              <a:rPr lang="fr-FR" sz="4800" b="1" dirty="0">
                 <a:solidFill>
                   <a:srgbClr val="FF0000"/>
                 </a:solidFill>
@@ -3588,177 +3562,176 @@
               <a:t>2. </a:t>
             </a:r>
             <a:r>
-              <a:rPr lang="fr-FR" sz="4800" b="1" dirty="0" smtClean="0"/>
+              <a:rPr lang="fr-FR" sz="4800" b="1" dirty="0"/>
               <a:t>Fa </a:t>
             </a:r>
             <a:r>
-              <a:rPr lang="fr-FR" sz="4800" b="1" dirty="0" err="1" smtClean="0"/>
+              <a:rPr lang="fr-FR" sz="4800" b="1" dirty="0" err="1"/>
               <a:t>tsaroan’izany</a:t>
             </a:r>
             <a:r>
-              <a:rPr lang="fr-FR" sz="4800" b="1" dirty="0" smtClean="0"/>
-              <a:t> </a:t>
-            </a:r>
-            <a:r>
-              <a:rPr lang="fr-FR" sz="4800" b="1" dirty="0" err="1" smtClean="0"/>
+              <a:rPr lang="fr-FR" sz="4800" b="1" dirty="0"/>
+              <a:t> </a:t>
+            </a:r>
+            <a:r>
+              <a:rPr lang="fr-FR" sz="4800" b="1" dirty="0" err="1"/>
               <a:t>saiko</a:t>
             </a:r>
             <a:r>
-              <a:rPr lang="fr-FR" sz="4800" b="1" dirty="0" smtClean="0"/>
+              <a:rPr lang="fr-FR" sz="4800" b="1" dirty="0"/>
               <a:t>,</a:t>
             </a:r>
           </a:p>
           <a:p>
             <a:pPr algn="ctr"/>
             <a:r>
-              <a:rPr lang="fr-FR" sz="4800" b="1" dirty="0" err="1" smtClean="0"/>
+              <a:rPr lang="fr-FR" sz="4800" b="1" dirty="0" err="1"/>
               <a:t>Mandra</a:t>
             </a:r>
             <a:r>
-              <a:rPr lang="fr-FR" sz="4800" b="1" dirty="0" smtClean="0"/>
+              <a:rPr lang="fr-FR" sz="4800" b="1" dirty="0"/>
               <a:t>-</a:t>
             </a:r>
             <a:r>
-              <a:rPr lang="fr-FR" sz="4800" b="1" dirty="0" err="1" smtClean="0"/>
+              <a:rPr lang="fr-FR" sz="4800" b="1" dirty="0" err="1"/>
               <a:t>maty</a:t>
             </a:r>
             <a:r>
-              <a:rPr lang="fr-FR" sz="4800" b="1" dirty="0" smtClean="0"/>
+              <a:rPr lang="fr-FR" sz="4800" b="1" dirty="0"/>
               <a:t> ho </a:t>
             </a:r>
             <a:r>
-              <a:rPr lang="fr-FR" sz="4800" b="1" dirty="0" err="1" smtClean="0"/>
+              <a:rPr lang="fr-FR" sz="4800" b="1" dirty="0" err="1"/>
               <a:t>tadidiko</a:t>
             </a:r>
             <a:r>
-              <a:rPr lang="fr-FR" sz="4800" b="1" dirty="0" smtClean="0"/>
+              <a:rPr lang="fr-FR" sz="4800" b="1" dirty="0"/>
               <a:t>,</a:t>
             </a:r>
           </a:p>
           <a:p>
             <a:pPr algn="ctr"/>
             <a:r>
-              <a:rPr lang="fr-FR" sz="4800" b="1" dirty="0" err="1" smtClean="0"/>
+              <a:rPr lang="fr-FR" sz="4800" b="1" dirty="0" err="1"/>
               <a:t>Ny</a:t>
             </a:r>
             <a:r>
-              <a:rPr lang="fr-FR" sz="4800" b="1" dirty="0" smtClean="0"/>
-              <a:t> </a:t>
-            </a:r>
-            <a:r>
-              <a:rPr lang="fr-FR" sz="4800" b="1" dirty="0" err="1" smtClean="0"/>
+              <a:rPr lang="fr-FR" sz="4800" b="1" dirty="0"/>
+              <a:t> </a:t>
+            </a:r>
+            <a:r>
+              <a:rPr lang="fr-FR" sz="4800" b="1" dirty="0" err="1"/>
               <a:t>nanavotanao</a:t>
             </a:r>
             <a:r>
-              <a:rPr lang="fr-FR" sz="4800" b="1" dirty="0" smtClean="0"/>
-              <a:t> </a:t>
-            </a:r>
-            <a:r>
-              <a:rPr lang="fr-FR" sz="4800" b="1" dirty="0" err="1" smtClean="0"/>
+              <a:rPr lang="fr-FR" sz="4800" b="1" dirty="0"/>
+              <a:t> </a:t>
+            </a:r>
+            <a:r>
+              <a:rPr lang="fr-FR" sz="4800" b="1" dirty="0" err="1"/>
               <a:t>ny</a:t>
             </a:r>
             <a:r>
-              <a:rPr lang="fr-FR" sz="4800" b="1" dirty="0" smtClean="0"/>
-              <a:t> </a:t>
-            </a:r>
-            <a:r>
-              <a:rPr lang="fr-FR" sz="4800" b="1" dirty="0" err="1" smtClean="0"/>
+              <a:rPr lang="fr-FR" sz="4800" b="1" dirty="0"/>
+              <a:t> </a:t>
+            </a:r>
+            <a:r>
+              <a:rPr lang="fr-FR" sz="4800" b="1" dirty="0" err="1"/>
               <a:t>aiko</a:t>
             </a:r>
             <a:r>
-              <a:rPr lang="fr-FR" sz="4800" b="1" dirty="0" smtClean="0"/>
+              <a:rPr lang="fr-FR" sz="4800" b="1" dirty="0"/>
               <a:t>,</a:t>
             </a:r>
           </a:p>
           <a:p>
             <a:pPr algn="ctr"/>
             <a:r>
-              <a:rPr lang="fr-FR" sz="4800" b="1" dirty="0" err="1" smtClean="0"/>
+              <a:rPr lang="fr-FR" sz="4800" b="1" dirty="0" err="1"/>
               <a:t>Ilay</a:t>
             </a:r>
             <a:r>
-              <a:rPr lang="fr-FR" sz="4800" b="1" dirty="0" smtClean="0"/>
-              <a:t> </a:t>
-            </a:r>
-            <a:r>
-              <a:rPr lang="fr-FR" sz="4800" b="1" dirty="0" err="1" smtClean="0"/>
+              <a:rPr lang="fr-FR" sz="4800" b="1" dirty="0"/>
+              <a:t> </a:t>
+            </a:r>
+            <a:r>
+              <a:rPr lang="fr-FR" sz="4800" b="1" dirty="0" err="1"/>
               <a:t>Fanahy</a:t>
             </a:r>
             <a:r>
-              <a:rPr lang="fr-FR" sz="4800" b="1" dirty="0" smtClean="0"/>
-              <a:t> </a:t>
-            </a:r>
-            <a:r>
-              <a:rPr lang="fr-FR" sz="4800" b="1" dirty="0" err="1" smtClean="0"/>
+              <a:rPr lang="fr-FR" sz="4800" b="1" dirty="0"/>
+              <a:t> </a:t>
+            </a:r>
+            <a:r>
+              <a:rPr lang="fr-FR" sz="4800" b="1" dirty="0" err="1"/>
               <a:t>sarobidiko</a:t>
             </a:r>
             <a:r>
-              <a:rPr lang="fr-FR" sz="4800" b="1" dirty="0" smtClean="0"/>
+              <a:rPr lang="fr-FR" sz="4800" b="1" dirty="0"/>
               <a:t>.</a:t>
             </a:r>
           </a:p>
           <a:p>
             <a:pPr algn="ctr"/>
             <a:r>
-              <a:rPr lang="fr-FR" sz="4800" b="1" dirty="0" smtClean="0"/>
+              <a:rPr lang="fr-FR" sz="4800" b="1" dirty="0"/>
               <a:t>Fa </a:t>
             </a:r>
             <a:r>
-              <a:rPr lang="fr-FR" sz="4800" b="1" dirty="0" err="1" smtClean="0"/>
+              <a:rPr lang="fr-FR" sz="4800" b="1" dirty="0" err="1"/>
               <a:t>nomena</a:t>
             </a:r>
             <a:r>
-              <a:rPr lang="fr-FR" sz="4800" b="1" dirty="0" smtClean="0"/>
-              <a:t> </a:t>
-            </a:r>
-            <a:r>
-              <a:rPr lang="fr-FR" sz="4800" b="1" dirty="0" err="1" smtClean="0"/>
+              <a:rPr lang="fr-FR" sz="4800" b="1" dirty="0"/>
+              <a:t> </a:t>
+            </a:r>
+            <a:r>
+              <a:rPr lang="fr-FR" sz="4800" b="1" dirty="0" err="1"/>
               <a:t>fahendrena</a:t>
             </a:r>
-            <a:endParaRPr lang="fr-FR" sz="4800" b="1" dirty="0" smtClean="0"/>
+            <a:endParaRPr lang="fr-FR" sz="4800" b="1" dirty="0"/>
           </a:p>
           <a:p>
             <a:pPr algn="ctr"/>
             <a:r>
-              <a:rPr lang="fr-FR" sz="4800" b="1" dirty="0" err="1" smtClean="0"/>
+              <a:rPr lang="fr-FR" sz="4800" b="1" dirty="0" err="1"/>
               <a:t>Izay</a:t>
             </a:r>
             <a:r>
-              <a:rPr lang="fr-FR" sz="4800" b="1" dirty="0" smtClean="0"/>
-              <a:t> </a:t>
-            </a:r>
-            <a:r>
-              <a:rPr lang="fr-FR" sz="4800" b="1" dirty="0" err="1" smtClean="0"/>
+              <a:rPr lang="fr-FR" sz="4800" b="1" dirty="0"/>
+              <a:t> </a:t>
+            </a:r>
+            <a:r>
+              <a:rPr lang="fr-FR" sz="4800" b="1" dirty="0" err="1"/>
               <a:t>ekena</a:t>
             </a:r>
             <a:r>
-              <a:rPr lang="fr-FR" sz="4800" b="1" dirty="0" smtClean="0"/>
+              <a:rPr lang="fr-FR" sz="4800" b="1" dirty="0"/>
               <a:t> fa </a:t>
             </a:r>
             <a:r>
-              <a:rPr lang="fr-FR" sz="4800" b="1" dirty="0" err="1" smtClean="0"/>
+              <a:rPr lang="fr-FR" sz="4800" b="1" dirty="0" err="1"/>
               <a:t>ny</a:t>
             </a:r>
             <a:r>
-              <a:rPr lang="fr-FR" sz="4800" b="1" dirty="0" smtClean="0"/>
-              <a:t> </a:t>
-            </a:r>
-            <a:r>
-              <a:rPr lang="fr-FR" sz="4800" b="1" dirty="0" err="1" smtClean="0"/>
+              <a:rPr lang="fr-FR" sz="4800" b="1" dirty="0"/>
+              <a:t> </a:t>
+            </a:r>
+            <a:r>
+              <a:rPr lang="fr-FR" sz="4800" b="1" dirty="0" err="1"/>
               <a:t>famonjena</a:t>
             </a:r>
             <a:r>
-              <a:rPr lang="fr-FR" sz="4800" b="1" dirty="0" smtClean="0"/>
+              <a:rPr lang="fr-FR" sz="4800" b="1" dirty="0"/>
               <a:t>,</a:t>
             </a:r>
           </a:p>
           <a:p>
             <a:pPr algn="ctr"/>
             <a:r>
-              <a:rPr lang="fr-FR" sz="4800" b="1" dirty="0" smtClean="0"/>
+              <a:rPr lang="fr-FR" sz="4800" b="1" dirty="0"/>
               <a:t>Ray.</a:t>
             </a:r>
-            <a:endParaRPr lang="fr-FR" sz="4800" b="1" dirty="0"/>
           </a:p>
         </p:txBody>
       </p:sp>
@@ -3819,9 +3792,6 @@
             <a:pPr algn="ctr"/>
             <a:r>
               <a:rPr lang="nn-NO" sz="6600" b="1" i="1" dirty="0">
-                <a:solidFill>
-                  <a:srgbClr val="0070C0"/>
-                </a:solidFill>
                 <a:effectLst>
                   <a:outerShdw blurRad="38100" dist="38100" dir="2700000" algn="tl">
                     <a:srgbClr val="000000">
@@ -3837,9 +3807,6 @@
             <a:pPr algn="ctr"/>
             <a:r>
               <a:rPr lang="fr-FR" sz="6600" b="1" i="1" dirty="0" err="1">
-                <a:solidFill>
-                  <a:srgbClr val="0070C0"/>
-                </a:solidFill>
                 <a:effectLst>
                   <a:outerShdw blurRad="38100" dist="38100" dir="2700000" algn="tl">
                     <a:srgbClr val="000000">
@@ -3852,9 +3819,6 @@
             </a:r>
             <a:r>
               <a:rPr lang="fr-FR" sz="6600" b="1" i="1" dirty="0">
-                <a:solidFill>
-                  <a:srgbClr val="0070C0"/>
-                </a:solidFill>
                 <a:effectLst>
                   <a:outerShdw blurRad="38100" dist="38100" dir="2700000" algn="tl">
                     <a:srgbClr val="000000">
@@ -3867,9 +3831,6 @@
             </a:r>
             <a:r>
               <a:rPr lang="fr-FR" sz="6600" b="1" i="1" dirty="0" err="1">
-                <a:solidFill>
-                  <a:srgbClr val="0070C0"/>
-                </a:solidFill>
                 <a:effectLst>
                   <a:outerShdw blurRad="38100" dist="38100" dir="2700000" algn="tl">
                     <a:srgbClr val="000000">
@@ -3882,9 +3843,6 @@
             </a:r>
             <a:r>
               <a:rPr lang="fr-FR" sz="6600" b="1" i="1" dirty="0">
-                <a:solidFill>
-                  <a:srgbClr val="0070C0"/>
-                </a:solidFill>
                 <a:effectLst>
                   <a:outerShdw blurRad="38100" dist="38100" dir="2700000" algn="tl">
                     <a:srgbClr val="000000">
@@ -3897,9 +3855,6 @@
             </a:r>
             <a:r>
               <a:rPr lang="fr-FR" sz="6600" b="1" i="1" dirty="0" err="1">
-                <a:solidFill>
-                  <a:srgbClr val="0070C0"/>
-                </a:solidFill>
                 <a:effectLst>
                   <a:outerShdw blurRad="38100" dist="38100" dir="2700000" algn="tl">
                     <a:srgbClr val="000000">
@@ -3912,9 +3867,6 @@
             </a:r>
             <a:r>
               <a:rPr lang="fr-FR" sz="6600" b="1" i="1" dirty="0">
-                <a:solidFill>
-                  <a:srgbClr val="0070C0"/>
-                </a:solidFill>
                 <a:effectLst>
                   <a:outerShdw blurRad="38100" dist="38100" dir="2700000" algn="tl">
                     <a:srgbClr val="000000">
@@ -3981,7 +3933,7 @@
           <a:p>
             <a:pPr algn="ctr"/>
             <a:r>
-              <a:rPr lang="nn-NO" sz="4800" b="1" dirty="0" smtClean="0">
+              <a:rPr lang="nn-NO" sz="4800" b="1" dirty="0">
                 <a:solidFill>
                   <a:srgbClr val="FF0000"/>
                 </a:solidFill>
@@ -3989,197 +3941,197 @@
               <a:t>3. </a:t>
             </a:r>
             <a:r>
-              <a:rPr lang="nn-NO" sz="4800" b="1" dirty="0" smtClean="0"/>
+              <a:rPr lang="nn-NO" sz="4800" b="1" dirty="0"/>
               <a:t>Be ny zavatra mihatra</a:t>
             </a:r>
           </a:p>
           <a:p>
             <a:pPr algn="ctr"/>
             <a:r>
-              <a:rPr lang="fr-FR" sz="4800" b="1" dirty="0" err="1" smtClean="0"/>
+              <a:rPr lang="fr-FR" sz="4800" b="1" dirty="0" err="1"/>
               <a:t>Mampahory</a:t>
             </a:r>
             <a:r>
-              <a:rPr lang="fr-FR" sz="4800" b="1" dirty="0" smtClean="0"/>
-              <a:t> </a:t>
-            </a:r>
-            <a:r>
-              <a:rPr lang="fr-FR" sz="4800" b="1" dirty="0" err="1" smtClean="0"/>
+              <a:rPr lang="fr-FR" sz="4800" b="1" dirty="0"/>
+              <a:t> </a:t>
+            </a:r>
+            <a:r>
+              <a:rPr lang="fr-FR" sz="4800" b="1" dirty="0" err="1"/>
               <a:t>sy</a:t>
             </a:r>
             <a:r>
-              <a:rPr lang="fr-FR" sz="4800" b="1" dirty="0" smtClean="0"/>
-              <a:t> </a:t>
-            </a:r>
-            <a:r>
-              <a:rPr lang="fr-FR" sz="4800" b="1" dirty="0" err="1" smtClean="0"/>
+              <a:rPr lang="fr-FR" sz="4800" b="1" dirty="0"/>
+              <a:t> </a:t>
+            </a:r>
+            <a:r>
+              <a:rPr lang="fr-FR" sz="4800" b="1" dirty="0" err="1"/>
               <a:t>mandrerapo</a:t>
             </a:r>
             <a:r>
-              <a:rPr lang="fr-FR" sz="4800" b="1" dirty="0" smtClean="0"/>
+              <a:rPr lang="fr-FR" sz="4800" b="1" dirty="0"/>
               <a:t> ;</a:t>
             </a:r>
           </a:p>
           <a:p>
             <a:pPr algn="ctr"/>
             <a:r>
-              <a:rPr lang="fr-FR" sz="4800" b="1" dirty="0" err="1" smtClean="0"/>
+              <a:rPr lang="fr-FR" sz="4800" b="1" dirty="0" err="1"/>
               <a:t>Kanefa</a:t>
             </a:r>
             <a:r>
-              <a:rPr lang="fr-FR" sz="4800" b="1" dirty="0" smtClean="0"/>
-              <a:t> </a:t>
-            </a:r>
-            <a:r>
-              <a:rPr lang="fr-FR" sz="4800" b="1" dirty="0" err="1" smtClean="0"/>
+              <a:rPr lang="fr-FR" sz="4800" b="1" dirty="0"/>
+              <a:t> </a:t>
+            </a:r>
+            <a:r>
+              <a:rPr lang="fr-FR" sz="4800" b="1" dirty="0" err="1"/>
               <a:t>ireny</a:t>
             </a:r>
             <a:r>
-              <a:rPr lang="fr-FR" sz="4800" b="1" dirty="0" smtClean="0"/>
-              <a:t> </a:t>
-            </a:r>
-            <a:r>
-              <a:rPr lang="fr-FR" sz="4800" b="1" dirty="0" err="1" smtClean="0"/>
+              <a:rPr lang="fr-FR" sz="4800" b="1" dirty="0"/>
+              <a:t> </a:t>
+            </a:r>
+            <a:r>
+              <a:rPr lang="fr-FR" sz="4800" b="1" dirty="0" err="1"/>
               <a:t>tsy</a:t>
             </a:r>
             <a:r>
-              <a:rPr lang="fr-FR" sz="4800" b="1" dirty="0" smtClean="0"/>
-              <a:t> </a:t>
-            </a:r>
-            <a:r>
-              <a:rPr lang="fr-FR" sz="4800" b="1" dirty="0" err="1" smtClean="0"/>
+              <a:rPr lang="fr-FR" sz="4800" b="1" dirty="0"/>
+              <a:t> </a:t>
+            </a:r>
+            <a:r>
+              <a:rPr lang="fr-FR" sz="4800" b="1" dirty="0" err="1"/>
               <a:t>handratra</a:t>
             </a:r>
-            <a:endParaRPr lang="fr-FR" sz="4800" b="1" dirty="0" smtClean="0"/>
+            <a:endParaRPr lang="fr-FR" sz="4800" b="1" dirty="0"/>
           </a:p>
           <a:p>
             <a:pPr algn="ctr"/>
             <a:r>
-              <a:rPr lang="en-US" sz="4800" b="1" dirty="0" err="1" smtClean="0"/>
+              <a:rPr lang="en-US" sz="4800" b="1" dirty="0" err="1"/>
               <a:t>Ny</a:t>
             </a:r>
             <a:r>
-              <a:rPr lang="en-US" sz="4800" b="1" dirty="0" smtClean="0"/>
-              <a:t> </a:t>
-            </a:r>
-            <a:r>
-              <a:rPr lang="en-US" sz="4800" b="1" dirty="0" err="1" smtClean="0"/>
+              <a:rPr lang="en-US" sz="4800" b="1" dirty="0"/>
+              <a:t> </a:t>
+            </a:r>
+            <a:r>
+              <a:rPr lang="en-US" sz="4800" b="1" dirty="0" err="1"/>
               <a:t>arovanao</a:t>
             </a:r>
             <a:r>
-              <a:rPr lang="en-US" sz="4800" b="1" dirty="0" smtClean="0"/>
+              <a:rPr lang="en-US" sz="4800" b="1" dirty="0"/>
               <a:t>, </a:t>
             </a:r>
             <a:r>
-              <a:rPr lang="en-US" sz="4800" b="1" dirty="0" err="1" smtClean="0"/>
+              <a:rPr lang="en-US" sz="4800" b="1" dirty="0" err="1"/>
               <a:t>ry</a:t>
             </a:r>
             <a:r>
-              <a:rPr lang="en-US" sz="4800" b="1" dirty="0" smtClean="0"/>
-              <a:t> </a:t>
-            </a:r>
-            <a:r>
-              <a:rPr lang="en-US" sz="4800" b="1" dirty="0" err="1" smtClean="0"/>
+              <a:rPr lang="en-US" sz="4800" b="1" dirty="0"/>
+              <a:t> </a:t>
+            </a:r>
+            <a:r>
+              <a:rPr lang="en-US" sz="4800" b="1" dirty="0" err="1"/>
               <a:t>Ilay</a:t>
             </a:r>
             <a:r>
-              <a:rPr lang="en-US" sz="4800" b="1" dirty="0" smtClean="0"/>
-              <a:t> </a:t>
-            </a:r>
-            <a:r>
-              <a:rPr lang="en-US" sz="4800" b="1" dirty="0" err="1" smtClean="0"/>
+              <a:rPr lang="en-US" sz="4800" b="1" dirty="0"/>
+              <a:t> </a:t>
+            </a:r>
+            <a:r>
+              <a:rPr lang="en-US" sz="4800" b="1" dirty="0" err="1"/>
               <a:t>tsitoha</a:t>
             </a:r>
-            <a:endParaRPr lang="en-US" sz="4800" b="1" dirty="0" smtClean="0"/>
+            <a:endParaRPr lang="en-US" sz="4800" b="1" dirty="0"/>
           </a:p>
           <a:p>
             <a:pPr algn="ctr"/>
             <a:r>
-              <a:rPr lang="fr-FR" sz="4800" b="1" dirty="0" smtClean="0"/>
+              <a:rPr lang="fr-FR" sz="4800" b="1" dirty="0"/>
               <a:t>Fa </a:t>
             </a:r>
             <a:r>
-              <a:rPr lang="fr-FR" sz="4800" b="1" dirty="0" err="1" smtClean="0"/>
+              <a:rPr lang="fr-FR" sz="4800" b="1" dirty="0" err="1"/>
               <a:t>ny</a:t>
             </a:r>
             <a:r>
-              <a:rPr lang="fr-FR" sz="4800" b="1" dirty="0" smtClean="0"/>
-              <a:t> </a:t>
-            </a:r>
-            <a:r>
-              <a:rPr lang="fr-FR" sz="4800" b="1" dirty="0" err="1" smtClean="0"/>
+              <a:rPr lang="fr-FR" sz="4800" b="1" dirty="0"/>
+              <a:t> </a:t>
+            </a:r>
+            <a:r>
+              <a:rPr lang="fr-FR" sz="4800" b="1" dirty="0" err="1"/>
               <a:t>fony</a:t>
             </a:r>
             <a:r>
-              <a:rPr lang="fr-FR" sz="4800" b="1" dirty="0" smtClean="0"/>
-              <a:t> </a:t>
-            </a:r>
-            <a:r>
-              <a:rPr lang="fr-FR" sz="4800" b="1" dirty="0" err="1" smtClean="0"/>
+              <a:rPr lang="fr-FR" sz="4800" b="1" dirty="0"/>
+              <a:t> </a:t>
+            </a:r>
+            <a:r>
+              <a:rPr lang="fr-FR" sz="4800" b="1" dirty="0" err="1"/>
               <a:t>tena</a:t>
             </a:r>
             <a:r>
-              <a:rPr lang="fr-FR" sz="4800" b="1" dirty="0" smtClean="0"/>
-              <a:t> </a:t>
-            </a:r>
-            <a:r>
-              <a:rPr lang="fr-FR" sz="4800" b="1" dirty="0" err="1" smtClean="0"/>
+              <a:rPr lang="fr-FR" sz="4800" b="1" dirty="0"/>
+              <a:t> </a:t>
+            </a:r>
+            <a:r>
+              <a:rPr lang="fr-FR" sz="4800" b="1" dirty="0" err="1"/>
               <a:t>tony</a:t>
             </a:r>
-            <a:endParaRPr lang="fr-FR" sz="4800" b="1" dirty="0" smtClean="0"/>
+            <a:endParaRPr lang="fr-FR" sz="4800" b="1" dirty="0"/>
           </a:p>
           <a:p>
             <a:pPr algn="ctr"/>
             <a:r>
-              <a:rPr lang="fr-FR" sz="4800" b="1" dirty="0" err="1" smtClean="0"/>
+              <a:rPr lang="fr-FR" sz="4800" b="1" dirty="0" err="1"/>
               <a:t>Tsy</a:t>
             </a:r>
             <a:r>
-              <a:rPr lang="fr-FR" sz="4800" b="1" dirty="0" smtClean="0"/>
-              <a:t> </a:t>
-            </a:r>
-            <a:r>
-              <a:rPr lang="fr-FR" sz="4800" b="1" dirty="0" err="1" smtClean="0"/>
+              <a:rPr lang="fr-FR" sz="4800" b="1" dirty="0"/>
+              <a:t> </a:t>
+            </a:r>
+            <a:r>
+              <a:rPr lang="fr-FR" sz="4800" b="1" dirty="0" err="1"/>
               <a:t>mba</a:t>
             </a:r>
             <a:r>
-              <a:rPr lang="fr-FR" sz="4800" b="1" dirty="0" smtClean="0"/>
-              <a:t> </a:t>
-            </a:r>
-            <a:r>
-              <a:rPr lang="fr-FR" sz="4800" b="1" dirty="0" err="1" smtClean="0"/>
+              <a:rPr lang="fr-FR" sz="4800" b="1" dirty="0"/>
+              <a:t> </a:t>
+            </a:r>
+            <a:r>
+              <a:rPr lang="fr-FR" sz="4800" b="1" dirty="0" err="1"/>
               <a:t>kivy</a:t>
             </a:r>
             <a:r>
-              <a:rPr lang="fr-FR" sz="4800" b="1" dirty="0" smtClean="0"/>
+              <a:rPr lang="fr-FR" sz="4800" b="1" dirty="0"/>
               <a:t>, </a:t>
             </a:r>
             <a:r>
-              <a:rPr lang="fr-FR" sz="4800" b="1" dirty="0" err="1" smtClean="0"/>
+              <a:rPr lang="fr-FR" sz="4800" b="1" dirty="0" err="1"/>
               <a:t>tsy</a:t>
             </a:r>
             <a:r>
-              <a:rPr lang="fr-FR" sz="4800" b="1" dirty="0" smtClean="0"/>
-              <a:t> </a:t>
-            </a:r>
-            <a:r>
-              <a:rPr lang="fr-FR" sz="4800" b="1" dirty="0" err="1" smtClean="0"/>
+              <a:rPr lang="fr-FR" sz="4800" b="1" dirty="0"/>
+              <a:t> </a:t>
+            </a:r>
+            <a:r>
+              <a:rPr lang="fr-FR" sz="4800" b="1" dirty="0" err="1"/>
               <a:t>mba</a:t>
             </a:r>
             <a:r>
-              <a:rPr lang="fr-FR" sz="4800" b="1" dirty="0" smtClean="0"/>
-              <a:t> </a:t>
-            </a:r>
-            <a:r>
-              <a:rPr lang="fr-FR" sz="4800" b="1" dirty="0" err="1" smtClean="0"/>
+              <a:rPr lang="fr-FR" sz="4800" b="1" dirty="0"/>
+              <a:t> </a:t>
+            </a:r>
+            <a:r>
+              <a:rPr lang="fr-FR" sz="4800" b="1" dirty="0" err="1"/>
               <a:t>taitra</a:t>
             </a:r>
             <a:r>
-              <a:rPr lang="fr-FR" sz="4800" b="1" dirty="0" smtClean="0"/>
-              <a:t> </a:t>
-            </a:r>
-            <a:r>
-              <a:rPr lang="fr-FR" sz="4800" b="1" dirty="0" err="1" smtClean="0"/>
+              <a:rPr lang="fr-FR" sz="4800" b="1" dirty="0"/>
+              <a:t> </a:t>
+            </a:r>
+            <a:r>
+              <a:rPr lang="fr-FR" sz="4800" b="1" dirty="0" err="1"/>
               <a:t>intsony</a:t>
             </a:r>
             <a:endParaRPr lang="fr-FR" sz="4800" b="1" dirty="0"/>
@@ -4243,9 +4195,6 @@
             <a:pPr algn="ctr"/>
             <a:r>
               <a:rPr lang="nn-NO" sz="6600" b="1" i="1" dirty="0">
-                <a:solidFill>
-                  <a:srgbClr val="0070C0"/>
-                </a:solidFill>
                 <a:effectLst>
                   <a:outerShdw blurRad="38100" dist="38100" dir="2700000" algn="tl">
                     <a:srgbClr val="000000">
@@ -4261,9 +4210,6 @@
             <a:pPr algn="ctr"/>
             <a:r>
               <a:rPr lang="fr-FR" sz="6600" b="1" i="1" dirty="0" err="1">
-                <a:solidFill>
-                  <a:srgbClr val="0070C0"/>
-                </a:solidFill>
                 <a:effectLst>
                   <a:outerShdw blurRad="38100" dist="38100" dir="2700000" algn="tl">
                     <a:srgbClr val="000000">
@@ -4276,9 +4222,6 @@
             </a:r>
             <a:r>
               <a:rPr lang="fr-FR" sz="6600" b="1" i="1" dirty="0">
-                <a:solidFill>
-                  <a:srgbClr val="0070C0"/>
-                </a:solidFill>
                 <a:effectLst>
                   <a:outerShdw blurRad="38100" dist="38100" dir="2700000" algn="tl">
                     <a:srgbClr val="000000">
@@ -4291,9 +4234,6 @@
             </a:r>
             <a:r>
               <a:rPr lang="fr-FR" sz="6600" b="1" i="1" dirty="0" err="1">
-                <a:solidFill>
-                  <a:srgbClr val="0070C0"/>
-                </a:solidFill>
                 <a:effectLst>
                   <a:outerShdw blurRad="38100" dist="38100" dir="2700000" algn="tl">
                     <a:srgbClr val="000000">
@@ -4306,9 +4246,6 @@
             </a:r>
             <a:r>
               <a:rPr lang="fr-FR" sz="6600" b="1" i="1" dirty="0">
-                <a:solidFill>
-                  <a:srgbClr val="0070C0"/>
-                </a:solidFill>
                 <a:effectLst>
                   <a:outerShdw blurRad="38100" dist="38100" dir="2700000" algn="tl">
                     <a:srgbClr val="000000">
@@ -4321,9 +4258,6 @@
             </a:r>
             <a:r>
               <a:rPr lang="fr-FR" sz="6600" b="1" i="1" dirty="0" err="1">
-                <a:solidFill>
-                  <a:srgbClr val="0070C0"/>
-                </a:solidFill>
                 <a:effectLst>
                   <a:outerShdw blurRad="38100" dist="38100" dir="2700000" algn="tl">
                     <a:srgbClr val="000000">
@@ -4336,9 +4270,6 @@
             </a:r>
             <a:r>
               <a:rPr lang="fr-FR" sz="6600" b="1" i="1" dirty="0">
-                <a:solidFill>
-                  <a:srgbClr val="0070C0"/>
-                </a:solidFill>
                 <a:effectLst>
                   <a:outerShdw blurRad="38100" dist="38100" dir="2700000" algn="tl">
                     <a:srgbClr val="000000">
@@ -4405,7 +4336,7 @@
           <a:p>
             <a:pPr algn="ctr"/>
             <a:r>
-              <a:rPr lang="fr-FR" sz="5400" b="1" dirty="0" smtClean="0">
+              <a:rPr lang="fr-FR" sz="5400" b="1" dirty="0">
                 <a:solidFill>
                   <a:srgbClr val="FF0000"/>
                 </a:solidFill>
@@ -4413,161 +4344,161 @@
               <a:t>4. </a:t>
             </a:r>
             <a:r>
-              <a:rPr lang="fr-FR" sz="5400" b="1" dirty="0" err="1" smtClean="0"/>
+              <a:rPr lang="fr-FR" sz="5400" b="1" dirty="0" err="1"/>
               <a:t>Misy</a:t>
             </a:r>
             <a:r>
-              <a:rPr lang="fr-FR" sz="5400" b="1" dirty="0" smtClean="0"/>
-              <a:t> </a:t>
-            </a:r>
-            <a:r>
-              <a:rPr lang="fr-FR" sz="5400" b="1" dirty="0" err="1" smtClean="0"/>
+              <a:rPr lang="fr-FR" sz="5400" b="1" dirty="0"/>
+              <a:t> </a:t>
+            </a:r>
+            <a:r>
+              <a:rPr lang="fr-FR" sz="5400" b="1" dirty="0" err="1"/>
               <a:t>ve</a:t>
             </a:r>
             <a:r>
-              <a:rPr lang="fr-FR" sz="5400" b="1" dirty="0" smtClean="0"/>
-              <a:t> </a:t>
-            </a:r>
-            <a:r>
-              <a:rPr lang="fr-FR" sz="5400" b="1" dirty="0" err="1" smtClean="0"/>
+              <a:rPr lang="fr-FR" sz="5400" b="1" dirty="0"/>
+              <a:t> </a:t>
+            </a:r>
+            <a:r>
+              <a:rPr lang="fr-FR" sz="5400" b="1" dirty="0" err="1"/>
               <a:t>ny</a:t>
             </a:r>
             <a:r>
-              <a:rPr lang="fr-FR" sz="5400" b="1" dirty="0" smtClean="0"/>
-              <a:t> </a:t>
-            </a:r>
-            <a:r>
-              <a:rPr lang="fr-FR" sz="5400" b="1" dirty="0" err="1" smtClean="0"/>
+              <a:rPr lang="fr-FR" sz="5400" b="1" dirty="0"/>
+              <a:t> </a:t>
+            </a:r>
+            <a:r>
+              <a:rPr lang="fr-FR" sz="5400" b="1" dirty="0" err="1"/>
               <a:t>mampanahy</a:t>
             </a:r>
-            <a:endParaRPr lang="fr-FR" sz="5400" b="1" dirty="0" smtClean="0"/>
+            <a:endParaRPr lang="fr-FR" sz="5400" b="1" dirty="0"/>
           </a:p>
           <a:p>
             <a:pPr algn="ctr"/>
             <a:r>
-              <a:rPr lang="fr-FR" sz="5400" b="1" dirty="0" err="1" smtClean="0"/>
+              <a:rPr lang="fr-FR" sz="5400" b="1" dirty="0" err="1"/>
               <a:t>Sy</a:t>
             </a:r>
             <a:r>
-              <a:rPr lang="fr-FR" sz="5400" b="1" dirty="0" smtClean="0"/>
-              <a:t> </a:t>
-            </a:r>
-            <a:r>
-              <a:rPr lang="fr-FR" sz="5400" b="1" dirty="0" err="1" smtClean="0"/>
+              <a:rPr lang="fr-FR" sz="5400" b="1" dirty="0"/>
+              <a:t> </a:t>
+            </a:r>
+            <a:r>
+              <a:rPr lang="fr-FR" sz="5400" b="1" dirty="0" err="1"/>
               <a:t>ny</a:t>
             </a:r>
             <a:r>
-              <a:rPr lang="fr-FR" sz="5400" b="1" dirty="0" smtClean="0"/>
-              <a:t> </a:t>
-            </a:r>
-            <a:r>
-              <a:rPr lang="fr-FR" sz="5400" b="1" dirty="0" err="1" smtClean="0"/>
+              <a:rPr lang="fr-FR" sz="5400" b="1" dirty="0"/>
+              <a:t> </a:t>
+            </a:r>
+            <a:r>
+              <a:rPr lang="fr-FR" sz="5400" b="1" dirty="0" err="1"/>
               <a:t>zava</a:t>
             </a:r>
             <a:r>
-              <a:rPr lang="fr-FR" sz="5400" b="1" dirty="0" smtClean="0"/>
+              <a:rPr lang="fr-FR" sz="5400" b="1" dirty="0"/>
               <a:t>-</a:t>
             </a:r>
             <a:r>
-              <a:rPr lang="fr-FR" sz="5400" b="1" dirty="0" err="1" smtClean="0"/>
+              <a:rPr lang="fr-FR" sz="5400" b="1" dirty="0" err="1"/>
               <a:t>manahirana</a:t>
             </a:r>
             <a:r>
-              <a:rPr lang="fr-FR" sz="5400" b="1" dirty="0" smtClean="0"/>
+              <a:rPr lang="fr-FR" sz="5400" b="1" dirty="0"/>
               <a:t> ?</a:t>
             </a:r>
           </a:p>
           <a:p>
             <a:pPr algn="ctr"/>
             <a:r>
-              <a:rPr lang="fr-FR" sz="5400" b="1" dirty="0" smtClean="0"/>
+              <a:rPr lang="fr-FR" sz="5400" b="1" dirty="0"/>
               <a:t>He, </a:t>
             </a:r>
             <a:r>
-              <a:rPr lang="fr-FR" sz="5400" b="1" dirty="0" err="1" smtClean="0"/>
+              <a:rPr lang="fr-FR" sz="5400" b="1" dirty="0" err="1"/>
               <a:t>tsy</a:t>
             </a:r>
             <a:r>
-              <a:rPr lang="fr-FR" sz="5400" b="1" dirty="0" smtClean="0"/>
-              <a:t> </a:t>
-            </a:r>
-            <a:r>
-              <a:rPr lang="fr-FR" sz="5400" b="1" dirty="0" err="1" smtClean="0"/>
+              <a:rPr lang="fr-FR" sz="5400" b="1" dirty="0"/>
+              <a:t> </a:t>
+            </a:r>
+            <a:r>
+              <a:rPr lang="fr-FR" sz="5400" b="1" dirty="0" err="1"/>
               <a:t>kivy</a:t>
             </a:r>
             <a:r>
-              <a:rPr lang="fr-FR" sz="5400" b="1" dirty="0" smtClean="0"/>
-              <a:t> </a:t>
-            </a:r>
-            <a:r>
-              <a:rPr lang="fr-FR" sz="5400" b="1" dirty="0" err="1" smtClean="0"/>
+              <a:rPr lang="fr-FR" sz="5400" b="1" dirty="0"/>
+              <a:t> </a:t>
+            </a:r>
+            <a:r>
+              <a:rPr lang="fr-FR" sz="5400" b="1" dirty="0" err="1"/>
               <a:t>ny</a:t>
             </a:r>
             <a:r>
-              <a:rPr lang="fr-FR" sz="5400" b="1" dirty="0" smtClean="0"/>
-              <a:t> </a:t>
-            </a:r>
-            <a:r>
-              <a:rPr lang="fr-FR" sz="5400" b="1" dirty="0" err="1" smtClean="0"/>
+              <a:rPr lang="fr-FR" sz="5400" b="1" dirty="0"/>
+              <a:t> </a:t>
+            </a:r>
+            <a:r>
+              <a:rPr lang="fr-FR" sz="5400" b="1" dirty="0" err="1"/>
               <a:t>fanahy</a:t>
             </a:r>
-            <a:endParaRPr lang="fr-FR" sz="5400" b="1" dirty="0" smtClean="0"/>
+            <a:endParaRPr lang="fr-FR" sz="5400" b="1" dirty="0"/>
           </a:p>
           <a:p>
             <a:pPr algn="ctr"/>
             <a:r>
-              <a:rPr lang="it-IT" sz="5400" b="1" dirty="0" smtClean="0"/>
+              <a:rPr lang="it-IT" sz="5400" b="1" dirty="0"/>
               <a:t>Fa hijoro, ka ho mirana.</a:t>
             </a:r>
           </a:p>
           <a:p>
             <a:pPr algn="ctr"/>
             <a:r>
-              <a:rPr lang="fr-FR" sz="5400" b="1" dirty="0" smtClean="0"/>
+              <a:rPr lang="fr-FR" sz="5400" b="1" dirty="0"/>
               <a:t>Fa </a:t>
             </a:r>
             <a:r>
-              <a:rPr lang="fr-FR" sz="5400" b="1" dirty="0" err="1" smtClean="0"/>
+              <a:rPr lang="fr-FR" sz="5400" b="1" dirty="0" err="1"/>
               <a:t>Jehovah</a:t>
             </a:r>
             <a:r>
-              <a:rPr lang="fr-FR" sz="5400" b="1" dirty="0" smtClean="0"/>
+              <a:rPr lang="fr-FR" sz="5400" b="1" dirty="0"/>
               <a:t>, ray </a:t>
             </a:r>
             <a:r>
-              <a:rPr lang="fr-FR" sz="5400" b="1" dirty="0" err="1" smtClean="0"/>
+              <a:rPr lang="fr-FR" sz="5400" b="1" dirty="0" err="1"/>
               <a:t>mahery</a:t>
             </a:r>
-            <a:endParaRPr lang="fr-FR" sz="5400" b="1" dirty="0" smtClean="0"/>
+            <a:endParaRPr lang="fr-FR" sz="5400" b="1" dirty="0"/>
           </a:p>
           <a:p>
             <a:pPr algn="ctr"/>
             <a:r>
-              <a:rPr lang="fr-FR" sz="5400" b="1" dirty="0" err="1" smtClean="0"/>
+              <a:rPr lang="fr-FR" sz="5400" b="1" dirty="0" err="1"/>
               <a:t>Miandany</a:t>
             </a:r>
             <a:r>
-              <a:rPr lang="fr-FR" sz="5400" b="1" dirty="0" smtClean="0"/>
-              <a:t> </a:t>
-            </a:r>
-            <a:r>
-              <a:rPr lang="fr-FR" sz="5400" b="1" dirty="0" err="1" smtClean="0"/>
+              <a:rPr lang="fr-FR" sz="5400" b="1" dirty="0"/>
+              <a:t> </a:t>
+            </a:r>
+            <a:r>
+              <a:rPr lang="fr-FR" sz="5400" b="1" dirty="0" err="1"/>
               <a:t>sady</a:t>
             </a:r>
             <a:r>
-              <a:rPr lang="fr-FR" sz="5400" b="1" dirty="0" smtClean="0"/>
-              <a:t> </a:t>
-            </a:r>
-            <a:r>
-              <a:rPr lang="fr-FR" sz="5400" b="1" dirty="0" err="1" smtClean="0"/>
+              <a:rPr lang="fr-FR" sz="5400" b="1" dirty="0"/>
+              <a:t> </a:t>
+            </a:r>
+            <a:r>
+              <a:rPr lang="fr-FR" sz="5400" b="1" dirty="0" err="1"/>
               <a:t>koa</a:t>
             </a:r>
             <a:r>
-              <a:rPr lang="fr-FR" sz="5400" b="1" dirty="0" smtClean="0"/>
-              <a:t> </a:t>
-            </a:r>
-            <a:r>
-              <a:rPr lang="fr-FR" sz="5400" b="1" dirty="0" err="1" smtClean="0"/>
+              <a:rPr lang="fr-FR" sz="5400" b="1" dirty="0"/>
+              <a:t> </a:t>
+            </a:r>
+            <a:r>
+              <a:rPr lang="fr-FR" sz="5400" b="1" dirty="0" err="1"/>
               <a:t>mijery</a:t>
             </a:r>
             <a:endParaRPr lang="fr-FR" sz="5400" b="1" dirty="0"/>
@@ -4631,9 +4562,6 @@
             <a:pPr algn="ctr"/>
             <a:r>
               <a:rPr lang="nn-NO" sz="6600" b="1" i="1" dirty="0">
-                <a:solidFill>
-                  <a:srgbClr val="0070C0"/>
-                </a:solidFill>
                 <a:effectLst>
                   <a:outerShdw blurRad="38100" dist="38100" dir="2700000" algn="tl">
                     <a:srgbClr val="000000">
@@ -4649,9 +4577,6 @@
             <a:pPr algn="ctr"/>
             <a:r>
               <a:rPr lang="fr-FR" sz="6600" b="1" i="1" dirty="0" err="1">
-                <a:solidFill>
-                  <a:srgbClr val="0070C0"/>
-                </a:solidFill>
                 <a:effectLst>
                   <a:outerShdw blurRad="38100" dist="38100" dir="2700000" algn="tl">
                     <a:srgbClr val="000000">
@@ -4664,9 +4589,6 @@
             </a:r>
             <a:r>
               <a:rPr lang="fr-FR" sz="6600" b="1" i="1" dirty="0">
-                <a:solidFill>
-                  <a:srgbClr val="0070C0"/>
-                </a:solidFill>
                 <a:effectLst>
                   <a:outerShdw blurRad="38100" dist="38100" dir="2700000" algn="tl">
                     <a:srgbClr val="000000">
@@ -4679,9 +4601,6 @@
             </a:r>
             <a:r>
               <a:rPr lang="fr-FR" sz="6600" b="1" i="1" dirty="0" err="1">
-                <a:solidFill>
-                  <a:srgbClr val="0070C0"/>
-                </a:solidFill>
                 <a:effectLst>
                   <a:outerShdw blurRad="38100" dist="38100" dir="2700000" algn="tl">
                     <a:srgbClr val="000000">
@@ -4694,9 +4613,6 @@
             </a:r>
             <a:r>
               <a:rPr lang="fr-FR" sz="6600" b="1" i="1" dirty="0">
-                <a:solidFill>
-                  <a:srgbClr val="0070C0"/>
-                </a:solidFill>
                 <a:effectLst>
                   <a:outerShdw blurRad="38100" dist="38100" dir="2700000" algn="tl">
                     <a:srgbClr val="000000">
@@ -4709,9 +4625,6 @@
             </a:r>
             <a:r>
               <a:rPr lang="fr-FR" sz="6600" b="1" i="1" dirty="0" err="1">
-                <a:solidFill>
-                  <a:srgbClr val="0070C0"/>
-                </a:solidFill>
                 <a:effectLst>
                   <a:outerShdw blurRad="38100" dist="38100" dir="2700000" algn="tl">
                     <a:srgbClr val="000000">
@@ -4724,9 +4637,6 @@
             </a:r>
             <a:r>
               <a:rPr lang="fr-FR" sz="6600" b="1" i="1" dirty="0">
-                <a:solidFill>
-                  <a:srgbClr val="0070C0"/>
-                </a:solidFill>
                 <a:effectLst>
                   <a:outerShdw blurRad="38100" dist="38100" dir="2700000" algn="tl">
                     <a:srgbClr val="000000">
